--- a/의전 통합 시스템 개발 주간업무_20220905.pptx
+++ b/의전 통합 시스템 개발 주간업무_20220905.pptx
@@ -198,7 +198,7 @@
           <a:p>
             <a:fld id="{30E83DF6-95D2-472C-ADC8-D99406B5D708}" type="datetimeFigureOut">
               <a:rPr lang="ko-KR" altLang="en-US" smtClean="0"/>
-              <a:t>2022-09-05</a:t>
+              <a:t>2022-09-06</a:t>
             </a:fld>
             <a:endParaRPr lang="ko-KR" altLang="en-US"/>
           </a:p>
@@ -765,7 +765,7 @@
           <a:p>
             <a:fld id="{3D9A6416-2C70-4D2F-8935-73C1A95B15F4}" type="datetimeFigureOut">
               <a:rPr lang="ko-KR" altLang="en-US" smtClean="0"/>
-              <a:t>2022-09-05</a:t>
+              <a:t>2022-09-06</a:t>
             </a:fld>
             <a:endParaRPr lang="ko-KR" altLang="en-US"/>
           </a:p>
@@ -935,7 +935,7 @@
           <a:p>
             <a:fld id="{3D9A6416-2C70-4D2F-8935-73C1A95B15F4}" type="datetimeFigureOut">
               <a:rPr lang="ko-KR" altLang="en-US" smtClean="0"/>
-              <a:t>2022-09-05</a:t>
+              <a:t>2022-09-06</a:t>
             </a:fld>
             <a:endParaRPr lang="ko-KR" altLang="en-US"/>
           </a:p>
@@ -1115,7 +1115,7 @@
           <a:p>
             <a:fld id="{3D9A6416-2C70-4D2F-8935-73C1A95B15F4}" type="datetimeFigureOut">
               <a:rPr lang="ko-KR" altLang="en-US" smtClean="0"/>
-              <a:t>2022-09-05</a:t>
+              <a:t>2022-09-06</a:t>
             </a:fld>
             <a:endParaRPr lang="ko-KR" altLang="en-US"/>
           </a:p>
@@ -1285,7 +1285,7 @@
           <a:p>
             <a:fld id="{3D9A6416-2C70-4D2F-8935-73C1A95B15F4}" type="datetimeFigureOut">
               <a:rPr lang="ko-KR" altLang="en-US" smtClean="0"/>
-              <a:t>2022-09-05</a:t>
+              <a:t>2022-09-06</a:t>
             </a:fld>
             <a:endParaRPr lang="ko-KR" altLang="en-US"/>
           </a:p>
@@ -1531,7 +1531,7 @@
           <a:p>
             <a:fld id="{3D9A6416-2C70-4D2F-8935-73C1A95B15F4}" type="datetimeFigureOut">
               <a:rPr lang="ko-KR" altLang="en-US" smtClean="0"/>
-              <a:t>2022-09-05</a:t>
+              <a:t>2022-09-06</a:t>
             </a:fld>
             <a:endParaRPr lang="ko-KR" altLang="en-US"/>
           </a:p>
@@ -1763,7 +1763,7 @@
           <a:p>
             <a:fld id="{3D9A6416-2C70-4D2F-8935-73C1A95B15F4}" type="datetimeFigureOut">
               <a:rPr lang="ko-KR" altLang="en-US" smtClean="0"/>
-              <a:t>2022-09-05</a:t>
+              <a:t>2022-09-06</a:t>
             </a:fld>
             <a:endParaRPr lang="ko-KR" altLang="en-US"/>
           </a:p>
@@ -2130,7 +2130,7 @@
           <a:p>
             <a:fld id="{3D9A6416-2C70-4D2F-8935-73C1A95B15F4}" type="datetimeFigureOut">
               <a:rPr lang="ko-KR" altLang="en-US" smtClean="0"/>
-              <a:t>2022-09-05</a:t>
+              <a:t>2022-09-06</a:t>
             </a:fld>
             <a:endParaRPr lang="ko-KR" altLang="en-US"/>
           </a:p>
@@ -2248,7 +2248,7 @@
           <a:p>
             <a:fld id="{3D9A6416-2C70-4D2F-8935-73C1A95B15F4}" type="datetimeFigureOut">
               <a:rPr lang="ko-KR" altLang="en-US" smtClean="0"/>
-              <a:t>2022-09-05</a:t>
+              <a:t>2022-09-06</a:t>
             </a:fld>
             <a:endParaRPr lang="ko-KR" altLang="en-US"/>
           </a:p>
@@ -2343,7 +2343,7 @@
           <a:p>
             <a:fld id="{3D9A6416-2C70-4D2F-8935-73C1A95B15F4}" type="datetimeFigureOut">
               <a:rPr lang="ko-KR" altLang="en-US" smtClean="0"/>
-              <a:t>2022-09-05</a:t>
+              <a:t>2022-09-06</a:t>
             </a:fld>
             <a:endParaRPr lang="ko-KR" altLang="en-US"/>
           </a:p>
@@ -2620,7 +2620,7 @@
           <a:p>
             <a:fld id="{3D9A6416-2C70-4D2F-8935-73C1A95B15F4}" type="datetimeFigureOut">
               <a:rPr lang="ko-KR" altLang="en-US" smtClean="0"/>
-              <a:t>2022-09-05</a:t>
+              <a:t>2022-09-06</a:t>
             </a:fld>
             <a:endParaRPr lang="ko-KR" altLang="en-US"/>
           </a:p>
@@ -2873,7 +2873,7 @@
           <a:p>
             <a:fld id="{3D9A6416-2C70-4D2F-8935-73C1A95B15F4}" type="datetimeFigureOut">
               <a:rPr lang="ko-KR" altLang="en-US" smtClean="0"/>
-              <a:t>2022-09-05</a:t>
+              <a:t>2022-09-06</a:t>
             </a:fld>
             <a:endParaRPr lang="ko-KR" altLang="en-US"/>
           </a:p>
@@ -3086,7 +3086,7 @@
           <a:p>
             <a:fld id="{3D9A6416-2C70-4D2F-8935-73C1A95B15F4}" type="datetimeFigureOut">
               <a:rPr lang="ko-KR" altLang="en-US" smtClean="0"/>
-              <a:t>2022-09-05</a:t>
+              <a:t>2022-09-06</a:t>
             </a:fld>
             <a:endParaRPr lang="ko-KR" altLang="en-US"/>
           </a:p>
@@ -3959,7 +3959,7 @@
           <p:nvPr>
             <p:extLst>
               <p:ext uri="{D42A27DB-BD31-4B8C-83A1-F6EECF244321}">
-                <p14:modId xmlns:p14="http://schemas.microsoft.com/office/powerpoint/2010/main" val="3327564172"/>
+                <p14:modId xmlns:p14="http://schemas.microsoft.com/office/powerpoint/2010/main" val="3244781681"/>
               </p:ext>
             </p:extLst>
           </p:nvPr>
@@ -4493,21 +4493,7 @@
                           <a:latin typeface="맑은 고딕" pitchFamily="50" charset="-127"/>
                           <a:ea typeface="맑은 고딕" pitchFamily="50" charset="-127"/>
                         </a:rPr>
-                        <a:t>(</a:t>
-                      </a:r>
-                      <a:r>
-                        <a:rPr kumimoji="1" lang="en-US" altLang="ko-KR" sz="1200" b="1" i="0" u="none" strike="noStrike" cap="none" spc="-100" normalizeH="0" baseline="0" dirty="0" smtClean="0">
-                          <a:ln>
-                            <a:noFill/>
-                          </a:ln>
-                          <a:solidFill>
-                            <a:schemeClr val="tx1"/>
-                          </a:solidFill>
-                          <a:effectLst/>
-                          <a:latin typeface="맑은 고딕" pitchFamily="50" charset="-127"/>
-                          <a:ea typeface="맑은 고딕" pitchFamily="50" charset="-127"/>
-                        </a:rPr>
-                        <a:t>08.29~09.02)</a:t>
+                        <a:t>(08.29~09.02)</a:t>
                       </a:r>
                       <a:endParaRPr kumimoji="1" lang="en-US" altLang="ko-KR" sz="1200" b="1" i="0" u="none" strike="noStrike" cap="none" spc="-100" normalizeH="0" baseline="0" dirty="0">
                         <a:ln>
@@ -6816,34 +6802,6 @@
                         </a:rPr>
                         <a:t> </a:t>
                       </a:r>
-                    </a:p>
-                    <a:p>
-                      <a:r>
-                        <a:rPr lang="ko-KR" altLang="en-US" sz="1100" b="0" i="0" kern="1200" dirty="0" smtClean="0">
-                          <a:solidFill>
-                            <a:schemeClr val="tx1"/>
-                          </a:solidFill>
-                          <a:effectLst/>
-                          <a:latin typeface="+mn-ea"/>
-                          <a:ea typeface="+mn-ea"/>
-                          <a:cs typeface="+mn-cs"/>
-                        </a:rPr>
-                        <a:t> </a:t>
-                      </a:r>
-                    </a:p>
-                    <a:p>
-                      <a:r>
-                        <a:rPr lang="ko-KR" altLang="en-US" sz="1100" b="0" i="0" kern="1200" dirty="0" smtClean="0">
-                          <a:solidFill>
-                            <a:schemeClr val="tx1"/>
-                          </a:solidFill>
-                          <a:effectLst/>
-                          <a:latin typeface="+mn-ea"/>
-                          <a:ea typeface="+mn-ea"/>
-                          <a:cs typeface="+mn-cs"/>
-                        </a:rPr>
-                        <a:t>  └ 기획자 산출물 생성 시 정리 및 진행 상황 점검</a:t>
-                      </a:r>
                       <a:endParaRPr lang="en-US" altLang="ko-KR" sz="1100" b="0" i="0" kern="1200" dirty="0" smtClean="0">
                         <a:solidFill>
                           <a:schemeClr val="tx1"/>
@@ -6856,6 +6814,212 @@
                     </a:p>
                     <a:p>
                       <a:r>
+                        <a:rPr lang="en-US" altLang="ko-KR" sz="1100" b="0" i="0" kern="1200" dirty="0" smtClean="0">
+                          <a:solidFill>
+                            <a:schemeClr val="tx1"/>
+                          </a:solidFill>
+                          <a:effectLst/>
+                          <a:latin typeface="+mn-ea"/>
+                          <a:ea typeface="+mn-ea"/>
+                          <a:cs typeface="+mn-cs"/>
+                        </a:rPr>
+                        <a:t>   └ </a:t>
+                      </a:r>
+                      <a:r>
+                        <a:rPr lang="ko-KR" altLang="en-US" sz="1100" b="0" i="0" kern="1200" dirty="0" err="1" smtClean="0">
+                          <a:solidFill>
+                            <a:schemeClr val="tx1"/>
+                          </a:solidFill>
+                          <a:effectLst/>
+                          <a:latin typeface="+mn-ea"/>
+                          <a:ea typeface="+mn-ea"/>
+                          <a:cs typeface="+mn-cs"/>
+                        </a:rPr>
+                        <a:t>레거시</a:t>
+                      </a:r>
+                      <a:r>
+                        <a:rPr lang="ko-KR" altLang="en-US" sz="1100" b="0" i="0" kern="1200" dirty="0" smtClean="0">
+                          <a:solidFill>
+                            <a:schemeClr val="tx1"/>
+                          </a:solidFill>
+                          <a:effectLst/>
+                          <a:latin typeface="+mn-ea"/>
+                          <a:ea typeface="+mn-ea"/>
+                          <a:cs typeface="+mn-cs"/>
+                        </a:rPr>
+                        <a:t> </a:t>
+                      </a:r>
+                      <a:r>
+                        <a:rPr lang="en-US" altLang="ko-KR" sz="1100" b="0" i="0" kern="1200" dirty="0" smtClean="0">
+                          <a:solidFill>
+                            <a:schemeClr val="tx1"/>
+                          </a:solidFill>
+                          <a:effectLst/>
+                          <a:latin typeface="+mn-ea"/>
+                          <a:ea typeface="+mn-ea"/>
+                          <a:cs typeface="+mn-cs"/>
+                        </a:rPr>
+                        <a:t>PHP</a:t>
+                      </a:r>
+                      <a:r>
+                        <a:rPr lang="ko-KR" altLang="en-US" sz="1100" b="0" i="0" kern="1200" dirty="0" smtClean="0">
+                          <a:solidFill>
+                            <a:schemeClr val="tx1"/>
+                          </a:solidFill>
+                          <a:effectLst/>
+                          <a:latin typeface="+mn-ea"/>
+                          <a:ea typeface="+mn-ea"/>
+                          <a:cs typeface="+mn-cs"/>
+                        </a:rPr>
+                        <a:t>에서 </a:t>
+                      </a:r>
+                      <a:r>
+                        <a:rPr lang="en-US" altLang="ko-KR" sz="1100" b="0" i="0" kern="1200" dirty="0" err="1" smtClean="0">
+                          <a:solidFill>
+                            <a:schemeClr val="tx1"/>
+                          </a:solidFill>
+                          <a:effectLst/>
+                          <a:latin typeface="+mn-ea"/>
+                          <a:ea typeface="+mn-ea"/>
+                          <a:cs typeface="+mn-cs"/>
+                        </a:rPr>
+                        <a:t>Mssql</a:t>
+                      </a:r>
+                      <a:r>
+                        <a:rPr lang="en-US" altLang="ko-KR" sz="1100" b="0" i="0" kern="1200" dirty="0" smtClean="0">
+                          <a:solidFill>
+                            <a:schemeClr val="tx1"/>
+                          </a:solidFill>
+                          <a:effectLst/>
+                          <a:latin typeface="+mn-ea"/>
+                          <a:ea typeface="+mn-ea"/>
+                          <a:cs typeface="+mn-cs"/>
+                        </a:rPr>
+                        <a:t> (</a:t>
+                      </a:r>
+                      <a:r>
+                        <a:rPr lang="ko-KR" altLang="en-US" sz="1100" b="0" i="0" kern="1200" dirty="0" err="1" smtClean="0">
+                          <a:solidFill>
+                            <a:schemeClr val="tx1"/>
+                          </a:solidFill>
+                          <a:effectLst/>
+                          <a:latin typeface="+mn-ea"/>
+                          <a:ea typeface="+mn-ea"/>
+                          <a:cs typeface="+mn-cs"/>
+                        </a:rPr>
+                        <a:t>박우철</a:t>
+                      </a:r>
+                      <a:r>
+                        <a:rPr lang="ko-KR" altLang="en-US" sz="1100" b="0" i="0" kern="1200" dirty="0" smtClean="0">
+                          <a:solidFill>
+                            <a:schemeClr val="tx1"/>
+                          </a:solidFill>
+                          <a:effectLst/>
+                          <a:latin typeface="+mn-ea"/>
+                          <a:ea typeface="+mn-ea"/>
+                          <a:cs typeface="+mn-cs"/>
+                        </a:rPr>
+                        <a:t> 프로 컴퓨터</a:t>
+                      </a:r>
+                      <a:r>
+                        <a:rPr lang="en-US" altLang="ko-KR" sz="1100" b="0" i="0" kern="1200" dirty="0" smtClean="0">
+                          <a:solidFill>
+                            <a:schemeClr val="tx1"/>
+                          </a:solidFill>
+                          <a:effectLst/>
+                          <a:latin typeface="+mn-ea"/>
+                          <a:ea typeface="+mn-ea"/>
+                          <a:cs typeface="+mn-cs"/>
+                        </a:rPr>
+                        <a:t>)</a:t>
+                      </a:r>
+                    </a:p>
+                    <a:p>
+                      <a:r>
+                        <a:rPr lang="en-US" altLang="ko-KR" sz="1100" b="0" i="0" kern="1200" smtClean="0">
+                          <a:solidFill>
+                            <a:schemeClr val="tx1"/>
+                          </a:solidFill>
+                          <a:effectLst/>
+                          <a:latin typeface="+mn-ea"/>
+                          <a:ea typeface="+mn-ea"/>
+                          <a:cs typeface="+mn-cs"/>
+                        </a:rPr>
+                        <a:t>       </a:t>
+                      </a:r>
+                      <a:r>
+                        <a:rPr lang="ko-KR" altLang="en-US" sz="1100" b="0" i="0" kern="1200" dirty="0" smtClean="0">
+                          <a:solidFill>
+                            <a:schemeClr val="tx1"/>
+                          </a:solidFill>
+                          <a:effectLst/>
+                          <a:latin typeface="+mn-ea"/>
+                          <a:ea typeface="+mn-ea"/>
+                          <a:cs typeface="+mn-cs"/>
+                        </a:rPr>
+                        <a:t>서버 접속 </a:t>
+                      </a:r>
+                      <a:r>
+                        <a:rPr lang="ko-KR" altLang="en-US" sz="1100" b="0" i="0" kern="1200" dirty="0" err="1" smtClean="0">
+                          <a:solidFill>
+                            <a:schemeClr val="tx1"/>
+                          </a:solidFill>
+                          <a:effectLst/>
+                          <a:latin typeface="+mn-ea"/>
+                          <a:ea typeface="+mn-ea"/>
+                          <a:cs typeface="+mn-cs"/>
+                        </a:rPr>
+                        <a:t>테스팅</a:t>
+                      </a:r>
+                      <a:endParaRPr lang="ko-KR" altLang="en-US" sz="1100" b="0" i="0" kern="1200" dirty="0" smtClean="0">
+                        <a:solidFill>
+                          <a:schemeClr val="tx1"/>
+                        </a:solidFill>
+                        <a:effectLst/>
+                        <a:latin typeface="+mn-ea"/>
+                        <a:ea typeface="+mn-ea"/>
+                        <a:cs typeface="+mn-cs"/>
+                      </a:endParaRPr>
+                    </a:p>
+                    <a:p>
+                      <a:r>
+                        <a:rPr lang="ko-KR" altLang="en-US" sz="1100" b="0" i="0" kern="1200" dirty="0" smtClean="0">
+                          <a:solidFill>
+                            <a:schemeClr val="tx1"/>
+                          </a:solidFill>
+                          <a:effectLst/>
+                          <a:latin typeface="+mn-ea"/>
+                          <a:ea typeface="+mn-ea"/>
+                          <a:cs typeface="+mn-cs"/>
+                        </a:rPr>
+                        <a:t> </a:t>
+                      </a:r>
+                    </a:p>
+                    <a:p>
+                      <a:r>
+                        <a:rPr lang="ko-KR" altLang="en-US" sz="1100" b="0" i="0" kern="1200" dirty="0" smtClean="0">
+                          <a:solidFill>
+                            <a:schemeClr val="tx1"/>
+                          </a:solidFill>
+                          <a:effectLst/>
+                          <a:latin typeface="+mn-ea"/>
+                          <a:ea typeface="+mn-ea"/>
+                          <a:cs typeface="+mn-cs"/>
+                        </a:rPr>
+                        <a:t>  └ 기획자 산출물 생성 시 정리 및 진행 상황 점검</a:t>
+                      </a:r>
+                      <a:endParaRPr lang="en-US" altLang="ko-KR" sz="1100" b="0" i="0" kern="1200" dirty="0" smtClean="0">
+                        <a:solidFill>
+                          <a:schemeClr val="tx1"/>
+                        </a:solidFill>
+                        <a:effectLst/>
+                        <a:latin typeface="+mn-ea"/>
+                        <a:ea typeface="+mn-ea"/>
+                        <a:cs typeface="+mn-cs"/>
+                      </a:endParaRPr>
+                    </a:p>
+                    <a:p>
+                      <a:r>
                         <a:rPr lang="en-US" altLang="ko-KR" sz="1100" b="0" i="0" kern="1200" baseline="0" dirty="0" smtClean="0">
                           <a:solidFill>
                             <a:schemeClr val="tx1"/>
@@ -7003,7 +7167,7 @@
                       </a:pPr>
                       <a:r>
                         <a:rPr lang="ko-KR" altLang="en-US" sz="1100" dirty="0" smtClean="0"/>
-                        <a:t>      </a:t>
+                        <a:t>     </a:t>
                       </a:r>
                       <a:r>
                         <a:rPr lang="ko-KR" altLang="en-US" sz="1100" b="0" i="0" kern="1200" dirty="0" smtClean="0">
